--- a/images/cone.pptx
+++ b/images/cone.pptx
@@ -104,7 +104,448 @@
       </a:defRPr>
     </a:lvl9pPr>
   </p:defaultTextStyle>
+  <p:extLst>
+    <p:ext uri="{EFAFB233-063F-42B5-8137-9DF3F51BA10A}">
+      <p15:sldGuideLst xmlns:p15="http://schemas.microsoft.com/office/powerpoint/2012/main"/>
+    </p:ext>
+  </p:extLst>
 </p:presentation>
+</file>
+
+<file path=ppt/revisionInfo.xml><?xml version="1.0" encoding="utf-8"?>
+<p1510:revInfo xmlns:a="http://schemas.openxmlformats.org/drawingml/2006/main" xmlns:r="http://schemas.openxmlformats.org/officeDocument/2006/relationships" xmlns:p1510="http://schemas.microsoft.com/office/powerpoint/2015/10/main">
+  <p1510:revLst>
+    <p1510:client id="{221F1624-9125-48B5-BE87-40045CA2CB74}" v="4" dt="2023-12-14T06:54:15.735"/>
+  </p1510:revLst>
+</p1510:revInfo>
+</file>
+
+<file path=ppt/changesInfos/changesInfo1.xml><?xml version="1.0" encoding="utf-8"?>
+<pc:chgInfo xmlns:a="http://schemas.openxmlformats.org/drawingml/2006/main" xmlns:r="http://schemas.openxmlformats.org/officeDocument/2006/relationships" xmlns:ac="http://schemas.microsoft.com/office/drawing/2013/main/command" xmlns:pc="http://schemas.microsoft.com/office/powerpoint/2013/main/command">
+  <pc:docChgLst>
+    <pc:chgData name="Bo Tang" userId="332dbdf67b1791cd" providerId="LiveId" clId="{221F1624-9125-48B5-BE87-40045CA2CB74}"/>
+    <pc:docChg chg="undo custSel addSld delSld modSld">
+      <pc:chgData name="Bo Tang" userId="332dbdf67b1791cd" providerId="LiveId" clId="{221F1624-9125-48B5-BE87-40045CA2CB74}" dt="2023-12-14T06:54:16.055" v="31" actId="478"/>
+      <pc:docMkLst>
+        <pc:docMk/>
+      </pc:docMkLst>
+      <pc:sldChg chg="addSp delSp modSp mod">
+        <pc:chgData name="Bo Tang" userId="332dbdf67b1791cd" providerId="LiveId" clId="{221F1624-9125-48B5-BE87-40045CA2CB74}" dt="2023-12-14T06:54:16.055" v="31" actId="478"/>
+        <pc:sldMkLst>
+          <pc:docMk/>
+          <pc:sldMk cId="367335811" sldId="256"/>
+        </pc:sldMkLst>
+        <pc:spChg chg="mod">
+          <ac:chgData name="Bo Tang" userId="332dbdf67b1791cd" providerId="LiveId" clId="{221F1624-9125-48B5-BE87-40045CA2CB74}" dt="2023-12-14T06:53:43.206" v="17"/>
+          <ac:spMkLst>
+            <pc:docMk/>
+            <pc:sldMk cId="367335811" sldId="256"/>
+            <ac:spMk id="5" creationId="{4F57052D-1E9F-7D68-508F-A765BA373FD9}"/>
+          </ac:spMkLst>
+        </pc:spChg>
+        <pc:spChg chg="mod">
+          <ac:chgData name="Bo Tang" userId="332dbdf67b1791cd" providerId="LiveId" clId="{221F1624-9125-48B5-BE87-40045CA2CB74}" dt="2023-12-14T06:53:43.206" v="17"/>
+          <ac:spMkLst>
+            <pc:docMk/>
+            <pc:sldMk cId="367335811" sldId="256"/>
+            <ac:spMk id="7" creationId="{13DD6AF9-275B-3CA4-E5E9-FADB069ABCE4}"/>
+          </ac:spMkLst>
+        </pc:spChg>
+        <pc:spChg chg="mod">
+          <ac:chgData name="Bo Tang" userId="332dbdf67b1791cd" providerId="LiveId" clId="{221F1624-9125-48B5-BE87-40045CA2CB74}" dt="2023-12-14T06:53:43.206" v="17"/>
+          <ac:spMkLst>
+            <pc:docMk/>
+            <pc:sldMk cId="367335811" sldId="256"/>
+            <ac:spMk id="8" creationId="{CC1B6814-DEB1-D1BA-C3B1-27575FFFE12A}"/>
+          </ac:spMkLst>
+        </pc:spChg>
+        <pc:spChg chg="mod">
+          <ac:chgData name="Bo Tang" userId="332dbdf67b1791cd" providerId="LiveId" clId="{221F1624-9125-48B5-BE87-40045CA2CB74}" dt="2023-12-14T06:53:43.206" v="17"/>
+          <ac:spMkLst>
+            <pc:docMk/>
+            <pc:sldMk cId="367335811" sldId="256"/>
+            <ac:spMk id="9" creationId="{18CE701F-2766-615A-4532-CCB59FB0F0CD}"/>
+          </ac:spMkLst>
+        </pc:spChg>
+        <pc:spChg chg="mod">
+          <ac:chgData name="Bo Tang" userId="332dbdf67b1791cd" providerId="LiveId" clId="{221F1624-9125-48B5-BE87-40045CA2CB74}" dt="2023-12-14T06:53:43.206" v="17"/>
+          <ac:spMkLst>
+            <pc:docMk/>
+            <pc:sldMk cId="367335811" sldId="256"/>
+            <ac:spMk id="10" creationId="{11FE3D10-C3AA-4343-84D1-A2631CBA0D85}"/>
+          </ac:spMkLst>
+        </pc:spChg>
+        <pc:spChg chg="mod">
+          <ac:chgData name="Bo Tang" userId="332dbdf67b1791cd" providerId="LiveId" clId="{221F1624-9125-48B5-BE87-40045CA2CB74}" dt="2023-12-14T06:53:43.206" v="17"/>
+          <ac:spMkLst>
+            <pc:docMk/>
+            <pc:sldMk cId="367335811" sldId="256"/>
+            <ac:spMk id="11" creationId="{E13B52D0-6F39-3915-0774-C22B339D7B12}"/>
+          </ac:spMkLst>
+        </pc:spChg>
+        <pc:spChg chg="mod">
+          <ac:chgData name="Bo Tang" userId="332dbdf67b1791cd" providerId="LiveId" clId="{221F1624-9125-48B5-BE87-40045CA2CB74}" dt="2023-12-14T06:53:43.206" v="17"/>
+          <ac:spMkLst>
+            <pc:docMk/>
+            <pc:sldMk cId="367335811" sldId="256"/>
+            <ac:spMk id="12" creationId="{171EB76D-3DE2-BBAA-DD55-ED14DB9E06E8}"/>
+          </ac:spMkLst>
+        </pc:spChg>
+        <pc:spChg chg="mod">
+          <ac:chgData name="Bo Tang" userId="332dbdf67b1791cd" providerId="LiveId" clId="{221F1624-9125-48B5-BE87-40045CA2CB74}" dt="2023-12-14T06:53:43.206" v="17"/>
+          <ac:spMkLst>
+            <pc:docMk/>
+            <pc:sldMk cId="367335811" sldId="256"/>
+            <ac:spMk id="13" creationId="{58EE7532-100C-ABD0-622D-E0726BB53027}"/>
+          </ac:spMkLst>
+        </pc:spChg>
+        <pc:spChg chg="mod">
+          <ac:chgData name="Bo Tang" userId="332dbdf67b1791cd" providerId="LiveId" clId="{221F1624-9125-48B5-BE87-40045CA2CB74}" dt="2023-12-14T06:53:43.206" v="17"/>
+          <ac:spMkLst>
+            <pc:docMk/>
+            <pc:sldMk cId="367335811" sldId="256"/>
+            <ac:spMk id="16" creationId="{99C4C04A-E0A8-BC01-AE8F-7C04795E41BA}"/>
+          </ac:spMkLst>
+        </pc:spChg>
+        <pc:spChg chg="mod">
+          <ac:chgData name="Bo Tang" userId="332dbdf67b1791cd" providerId="LiveId" clId="{221F1624-9125-48B5-BE87-40045CA2CB74}" dt="2023-12-14T06:53:43.206" v="17"/>
+          <ac:spMkLst>
+            <pc:docMk/>
+            <pc:sldMk cId="367335811" sldId="256"/>
+            <ac:spMk id="17" creationId="{C17412CA-0F3A-02FD-BE11-55906696CFCE}"/>
+          </ac:spMkLst>
+        </pc:spChg>
+        <pc:spChg chg="mod">
+          <ac:chgData name="Bo Tang" userId="332dbdf67b1791cd" providerId="LiveId" clId="{221F1624-9125-48B5-BE87-40045CA2CB74}" dt="2023-12-14T06:53:43.206" v="17"/>
+          <ac:spMkLst>
+            <pc:docMk/>
+            <pc:sldMk cId="367335811" sldId="256"/>
+            <ac:spMk id="18" creationId="{7F857F27-36B1-F26A-A092-E3F74A488BCA}"/>
+          </ac:spMkLst>
+        </pc:spChg>
+        <pc:spChg chg="mod">
+          <ac:chgData name="Bo Tang" userId="332dbdf67b1791cd" providerId="LiveId" clId="{221F1624-9125-48B5-BE87-40045CA2CB74}" dt="2023-12-14T06:53:43.206" v="17"/>
+          <ac:spMkLst>
+            <pc:docMk/>
+            <pc:sldMk cId="367335811" sldId="256"/>
+            <ac:spMk id="20" creationId="{B1272263-3F16-26E0-537F-CAE4F21C0B88}"/>
+          </ac:spMkLst>
+        </pc:spChg>
+        <pc:spChg chg="mod">
+          <ac:chgData name="Bo Tang" userId="332dbdf67b1791cd" providerId="LiveId" clId="{221F1624-9125-48B5-BE87-40045CA2CB74}" dt="2023-12-14T06:53:43.206" v="17"/>
+          <ac:spMkLst>
+            <pc:docMk/>
+            <pc:sldMk cId="367335811" sldId="256"/>
+            <ac:spMk id="21" creationId="{90B08BB8-E0D3-0A7B-E21E-D7EA45EF97C8}"/>
+          </ac:spMkLst>
+        </pc:spChg>
+        <pc:spChg chg="mod">
+          <ac:chgData name="Bo Tang" userId="332dbdf67b1791cd" providerId="LiveId" clId="{221F1624-9125-48B5-BE87-40045CA2CB74}" dt="2023-12-14T06:53:43.298" v="18"/>
+          <ac:spMkLst>
+            <pc:docMk/>
+            <pc:sldMk cId="367335811" sldId="256"/>
+            <ac:spMk id="26" creationId="{2122F2FE-CA09-2195-C618-C13F6E6EE64B}"/>
+          </ac:spMkLst>
+        </pc:spChg>
+        <pc:spChg chg="mod">
+          <ac:chgData name="Bo Tang" userId="332dbdf67b1791cd" providerId="LiveId" clId="{221F1624-9125-48B5-BE87-40045CA2CB74}" dt="2023-12-14T06:53:43.298" v="18"/>
+          <ac:spMkLst>
+            <pc:docMk/>
+            <pc:sldMk cId="367335811" sldId="256"/>
+            <ac:spMk id="28" creationId="{C873763A-BC17-D0B7-6884-1066935D05A5}"/>
+          </ac:spMkLst>
+        </pc:spChg>
+        <pc:spChg chg="mod">
+          <ac:chgData name="Bo Tang" userId="332dbdf67b1791cd" providerId="LiveId" clId="{221F1624-9125-48B5-BE87-40045CA2CB74}" dt="2023-12-14T06:53:43.298" v="18"/>
+          <ac:spMkLst>
+            <pc:docMk/>
+            <pc:sldMk cId="367335811" sldId="256"/>
+            <ac:spMk id="29" creationId="{66789B77-CB23-4202-7718-1B1AC9AA2BF0}"/>
+          </ac:spMkLst>
+        </pc:spChg>
+        <pc:spChg chg="mod">
+          <ac:chgData name="Bo Tang" userId="332dbdf67b1791cd" providerId="LiveId" clId="{221F1624-9125-48B5-BE87-40045CA2CB74}" dt="2023-12-14T06:53:43.298" v="18"/>
+          <ac:spMkLst>
+            <pc:docMk/>
+            <pc:sldMk cId="367335811" sldId="256"/>
+            <ac:spMk id="30" creationId="{303D92B8-7A74-2F93-D359-9B675CC30DB6}"/>
+          </ac:spMkLst>
+        </pc:spChg>
+        <pc:spChg chg="mod">
+          <ac:chgData name="Bo Tang" userId="332dbdf67b1791cd" providerId="LiveId" clId="{221F1624-9125-48B5-BE87-40045CA2CB74}" dt="2023-12-14T06:53:43.298" v="18"/>
+          <ac:spMkLst>
+            <pc:docMk/>
+            <pc:sldMk cId="367335811" sldId="256"/>
+            <ac:spMk id="31" creationId="{4C82509F-19BF-503C-328A-4ABA358D8F74}"/>
+          </ac:spMkLst>
+        </pc:spChg>
+        <pc:spChg chg="mod">
+          <ac:chgData name="Bo Tang" userId="332dbdf67b1791cd" providerId="LiveId" clId="{221F1624-9125-48B5-BE87-40045CA2CB74}" dt="2023-12-14T06:53:43.298" v="18"/>
+          <ac:spMkLst>
+            <pc:docMk/>
+            <pc:sldMk cId="367335811" sldId="256"/>
+            <ac:spMk id="32" creationId="{968EEEF3-3EC2-00CF-2546-3D5D76FFAED4}"/>
+          </ac:spMkLst>
+        </pc:spChg>
+        <pc:spChg chg="mod">
+          <ac:chgData name="Bo Tang" userId="332dbdf67b1791cd" providerId="LiveId" clId="{221F1624-9125-48B5-BE87-40045CA2CB74}" dt="2023-12-14T06:53:43.298" v="18"/>
+          <ac:spMkLst>
+            <pc:docMk/>
+            <pc:sldMk cId="367335811" sldId="256"/>
+            <ac:spMk id="33" creationId="{BAEDD75E-0E24-7321-1301-8BBA266783F1}"/>
+          </ac:spMkLst>
+        </pc:spChg>
+        <pc:spChg chg="mod">
+          <ac:chgData name="Bo Tang" userId="332dbdf67b1791cd" providerId="LiveId" clId="{221F1624-9125-48B5-BE87-40045CA2CB74}" dt="2023-12-14T06:53:43.298" v="18"/>
+          <ac:spMkLst>
+            <pc:docMk/>
+            <pc:sldMk cId="367335811" sldId="256"/>
+            <ac:spMk id="34" creationId="{8F9E62B7-855D-B83B-13BA-C629B0AF8DF6}"/>
+          </ac:spMkLst>
+        </pc:spChg>
+        <pc:spChg chg="mod">
+          <ac:chgData name="Bo Tang" userId="332dbdf67b1791cd" providerId="LiveId" clId="{221F1624-9125-48B5-BE87-40045CA2CB74}" dt="2023-12-14T06:53:43.298" v="18"/>
+          <ac:spMkLst>
+            <pc:docMk/>
+            <pc:sldMk cId="367335811" sldId="256"/>
+            <ac:spMk id="37" creationId="{47A2159B-AB31-E95D-33EA-61F04D56069E}"/>
+          </ac:spMkLst>
+        </pc:spChg>
+        <pc:spChg chg="mod">
+          <ac:chgData name="Bo Tang" userId="332dbdf67b1791cd" providerId="LiveId" clId="{221F1624-9125-48B5-BE87-40045CA2CB74}" dt="2023-12-14T06:53:43.298" v="18"/>
+          <ac:spMkLst>
+            <pc:docMk/>
+            <pc:sldMk cId="367335811" sldId="256"/>
+            <ac:spMk id="38" creationId="{50CDBD73-2408-D211-8DA7-C53AF11B547A}"/>
+          </ac:spMkLst>
+        </pc:spChg>
+        <pc:spChg chg="mod">
+          <ac:chgData name="Bo Tang" userId="332dbdf67b1791cd" providerId="LiveId" clId="{221F1624-9125-48B5-BE87-40045CA2CB74}" dt="2023-12-14T06:53:43.298" v="18"/>
+          <ac:spMkLst>
+            <pc:docMk/>
+            <pc:sldMk cId="367335811" sldId="256"/>
+            <ac:spMk id="39" creationId="{C44B6A00-1940-B293-FE4A-2615F1924B37}"/>
+          </ac:spMkLst>
+        </pc:spChg>
+        <pc:spChg chg="mod">
+          <ac:chgData name="Bo Tang" userId="332dbdf67b1791cd" providerId="LiveId" clId="{221F1624-9125-48B5-BE87-40045CA2CB74}" dt="2023-12-14T06:53:43.298" v="18"/>
+          <ac:spMkLst>
+            <pc:docMk/>
+            <pc:sldMk cId="367335811" sldId="256"/>
+            <ac:spMk id="41" creationId="{BEBAA9B6-6626-0C37-837E-A95AC866FA8A}"/>
+          </ac:spMkLst>
+        </pc:spChg>
+        <pc:spChg chg="mod">
+          <ac:chgData name="Bo Tang" userId="332dbdf67b1791cd" providerId="LiveId" clId="{221F1624-9125-48B5-BE87-40045CA2CB74}" dt="2023-12-14T06:53:43.298" v="18"/>
+          <ac:spMkLst>
+            <pc:docMk/>
+            <pc:sldMk cId="367335811" sldId="256"/>
+            <ac:spMk id="42" creationId="{A8798A6F-4EB0-FE65-BC55-AE9C1C33937D}"/>
+          </ac:spMkLst>
+        </pc:spChg>
+        <pc:spChg chg="mod">
+          <ac:chgData name="Bo Tang" userId="332dbdf67b1791cd" providerId="LiveId" clId="{221F1624-9125-48B5-BE87-40045CA2CB74}" dt="2023-12-14T06:43:05.494" v="14" actId="14100"/>
+          <ac:spMkLst>
+            <pc:docMk/>
+            <pc:sldMk cId="367335811" sldId="256"/>
+            <ac:spMk id="158" creationId="{C6A6A286-5550-4919-ED66-3598AE2D59B7}"/>
+          </ac:spMkLst>
+        </pc:spChg>
+        <pc:spChg chg="mod">
+          <ac:chgData name="Bo Tang" userId="332dbdf67b1791cd" providerId="LiveId" clId="{221F1624-9125-48B5-BE87-40045CA2CB74}" dt="2023-12-14T06:42:54.519" v="13" actId="1035"/>
+          <ac:spMkLst>
+            <pc:docMk/>
+            <pc:sldMk cId="367335811" sldId="256"/>
+            <ac:spMk id="163" creationId="{41569B45-339E-AF99-AC7E-0F7267A5622B}"/>
+          </ac:spMkLst>
+        </pc:spChg>
+        <pc:grpChg chg="add del mod">
+          <ac:chgData name="Bo Tang" userId="332dbdf67b1791cd" providerId="LiveId" clId="{221F1624-9125-48B5-BE87-40045CA2CB74}" dt="2023-12-14T06:54:15.735" v="30"/>
+          <ac:grpSpMkLst>
+            <pc:docMk/>
+            <pc:sldMk cId="367335811" sldId="256"/>
+            <ac:grpSpMk id="2" creationId="{83B25031-0ECB-E804-EA7B-8EBF8D38C2C9}"/>
+          </ac:grpSpMkLst>
+        </pc:grpChg>
+        <pc:grpChg chg="mod">
+          <ac:chgData name="Bo Tang" userId="332dbdf67b1791cd" providerId="LiveId" clId="{221F1624-9125-48B5-BE87-40045CA2CB74}" dt="2023-12-14T06:53:43.206" v="17"/>
+          <ac:grpSpMkLst>
+            <pc:docMk/>
+            <pc:sldMk cId="367335811" sldId="256"/>
+            <ac:grpSpMk id="3" creationId="{6051EF8B-98A4-1466-23D3-D8731E049EA5}"/>
+          </ac:grpSpMkLst>
+        </pc:grpChg>
+        <pc:grpChg chg="add del mod">
+          <ac:chgData name="Bo Tang" userId="332dbdf67b1791cd" providerId="LiveId" clId="{221F1624-9125-48B5-BE87-40045CA2CB74}" dt="2023-12-14T06:53:44.041" v="19"/>
+          <ac:grpSpMkLst>
+            <pc:docMk/>
+            <pc:sldMk cId="367335811" sldId="256"/>
+            <ac:grpSpMk id="23" creationId="{4BF2EAB4-9485-69D7-B74A-629DC5D1EAD0}"/>
+          </ac:grpSpMkLst>
+        </pc:grpChg>
+        <pc:grpChg chg="mod">
+          <ac:chgData name="Bo Tang" userId="332dbdf67b1791cd" providerId="LiveId" clId="{221F1624-9125-48B5-BE87-40045CA2CB74}" dt="2023-12-14T06:53:43.298" v="18"/>
+          <ac:grpSpMkLst>
+            <pc:docMk/>
+            <pc:sldMk cId="367335811" sldId="256"/>
+            <ac:grpSpMk id="24" creationId="{D2DB24A2-9726-C045-97EE-4C0258E27904}"/>
+          </ac:grpSpMkLst>
+        </pc:grpChg>
+        <pc:grpChg chg="add del mod">
+          <ac:chgData name="Bo Tang" userId="332dbdf67b1791cd" providerId="LiveId" clId="{221F1624-9125-48B5-BE87-40045CA2CB74}" dt="2023-12-14T06:54:16.055" v="31" actId="478"/>
+          <ac:grpSpMkLst>
+            <pc:docMk/>
+            <pc:sldMk cId="367335811" sldId="256"/>
+            <ac:grpSpMk id="150" creationId="{87078B70-C03B-E5EE-7CF0-FD3DFDCF8E50}"/>
+          </ac:grpSpMkLst>
+        </pc:grpChg>
+        <pc:cxnChg chg="mod">
+          <ac:chgData name="Bo Tang" userId="332dbdf67b1791cd" providerId="LiveId" clId="{221F1624-9125-48B5-BE87-40045CA2CB74}" dt="2023-12-14T06:53:43.206" v="17"/>
+          <ac:cxnSpMkLst>
+            <pc:docMk/>
+            <pc:sldMk cId="367335811" sldId="256"/>
+            <ac:cxnSpMk id="4" creationId="{642AF7B5-F0D3-C0A7-3AC5-F8C8C7D8F500}"/>
+          </ac:cxnSpMkLst>
+        </pc:cxnChg>
+        <pc:cxnChg chg="mod">
+          <ac:chgData name="Bo Tang" userId="332dbdf67b1791cd" providerId="LiveId" clId="{221F1624-9125-48B5-BE87-40045CA2CB74}" dt="2023-12-14T06:53:43.206" v="17"/>
+          <ac:cxnSpMkLst>
+            <pc:docMk/>
+            <pc:sldMk cId="367335811" sldId="256"/>
+            <ac:cxnSpMk id="6" creationId="{414CD90E-43FA-9276-25E9-680D3805A7F3}"/>
+          </ac:cxnSpMkLst>
+        </pc:cxnChg>
+        <pc:cxnChg chg="mod">
+          <ac:chgData name="Bo Tang" userId="332dbdf67b1791cd" providerId="LiveId" clId="{221F1624-9125-48B5-BE87-40045CA2CB74}" dt="2023-12-14T06:53:43.206" v="17"/>
+          <ac:cxnSpMkLst>
+            <pc:docMk/>
+            <pc:sldMk cId="367335811" sldId="256"/>
+            <ac:cxnSpMk id="14" creationId="{F44C73B8-BAC9-8107-8E7A-EEDE2A72183A}"/>
+          </ac:cxnSpMkLst>
+        </pc:cxnChg>
+        <pc:cxnChg chg="mod">
+          <ac:chgData name="Bo Tang" userId="332dbdf67b1791cd" providerId="LiveId" clId="{221F1624-9125-48B5-BE87-40045CA2CB74}" dt="2023-12-14T06:53:43.206" v="17"/>
+          <ac:cxnSpMkLst>
+            <pc:docMk/>
+            <pc:sldMk cId="367335811" sldId="256"/>
+            <ac:cxnSpMk id="15" creationId="{FC003E96-34E6-A946-203F-7F2A477B2BB4}"/>
+          </ac:cxnSpMkLst>
+        </pc:cxnChg>
+        <pc:cxnChg chg="mod">
+          <ac:chgData name="Bo Tang" userId="332dbdf67b1791cd" providerId="LiveId" clId="{221F1624-9125-48B5-BE87-40045CA2CB74}" dt="2023-12-14T06:53:43.206" v="17"/>
+          <ac:cxnSpMkLst>
+            <pc:docMk/>
+            <pc:sldMk cId="367335811" sldId="256"/>
+            <ac:cxnSpMk id="19" creationId="{C9F15D1D-7C60-2B8D-30CE-FD460F109AA3}"/>
+          </ac:cxnSpMkLst>
+        </pc:cxnChg>
+        <pc:cxnChg chg="mod">
+          <ac:chgData name="Bo Tang" userId="332dbdf67b1791cd" providerId="LiveId" clId="{221F1624-9125-48B5-BE87-40045CA2CB74}" dt="2023-12-14T06:53:43.206" v="17"/>
+          <ac:cxnSpMkLst>
+            <pc:docMk/>
+            <pc:sldMk cId="367335811" sldId="256"/>
+            <ac:cxnSpMk id="22" creationId="{C36E98EB-7AD9-9D1B-BD3D-DBD77ACDEB07}"/>
+          </ac:cxnSpMkLst>
+        </pc:cxnChg>
+        <pc:cxnChg chg="mod">
+          <ac:chgData name="Bo Tang" userId="332dbdf67b1791cd" providerId="LiveId" clId="{221F1624-9125-48B5-BE87-40045CA2CB74}" dt="2023-12-14T06:53:43.298" v="18"/>
+          <ac:cxnSpMkLst>
+            <pc:docMk/>
+            <pc:sldMk cId="367335811" sldId="256"/>
+            <ac:cxnSpMk id="25" creationId="{BF9E3B38-58AF-32C4-AB54-39641372A21F}"/>
+          </ac:cxnSpMkLst>
+        </pc:cxnChg>
+        <pc:cxnChg chg="mod">
+          <ac:chgData name="Bo Tang" userId="332dbdf67b1791cd" providerId="LiveId" clId="{221F1624-9125-48B5-BE87-40045CA2CB74}" dt="2023-12-14T06:53:43.298" v="18"/>
+          <ac:cxnSpMkLst>
+            <pc:docMk/>
+            <pc:sldMk cId="367335811" sldId="256"/>
+            <ac:cxnSpMk id="27" creationId="{CB9E41F5-82F6-B18C-7C61-E0D216948D54}"/>
+          </ac:cxnSpMkLst>
+        </pc:cxnChg>
+        <pc:cxnChg chg="mod">
+          <ac:chgData name="Bo Tang" userId="332dbdf67b1791cd" providerId="LiveId" clId="{221F1624-9125-48B5-BE87-40045CA2CB74}" dt="2023-12-14T06:53:43.298" v="18"/>
+          <ac:cxnSpMkLst>
+            <pc:docMk/>
+            <pc:sldMk cId="367335811" sldId="256"/>
+            <ac:cxnSpMk id="35" creationId="{C669893E-7B5B-F840-1D34-66969869DD8E}"/>
+          </ac:cxnSpMkLst>
+        </pc:cxnChg>
+        <pc:cxnChg chg="mod">
+          <ac:chgData name="Bo Tang" userId="332dbdf67b1791cd" providerId="LiveId" clId="{221F1624-9125-48B5-BE87-40045CA2CB74}" dt="2023-12-14T06:53:43.298" v="18"/>
+          <ac:cxnSpMkLst>
+            <pc:docMk/>
+            <pc:sldMk cId="367335811" sldId="256"/>
+            <ac:cxnSpMk id="36" creationId="{8C42288E-7810-4A47-8F26-AB5696AB0959}"/>
+          </ac:cxnSpMkLst>
+        </pc:cxnChg>
+        <pc:cxnChg chg="mod">
+          <ac:chgData name="Bo Tang" userId="332dbdf67b1791cd" providerId="LiveId" clId="{221F1624-9125-48B5-BE87-40045CA2CB74}" dt="2023-12-14T06:53:43.298" v="18"/>
+          <ac:cxnSpMkLst>
+            <pc:docMk/>
+            <pc:sldMk cId="367335811" sldId="256"/>
+            <ac:cxnSpMk id="40" creationId="{69B5764D-7E25-A8DD-90B9-69996158B45A}"/>
+          </ac:cxnSpMkLst>
+        </pc:cxnChg>
+        <pc:cxnChg chg="mod">
+          <ac:chgData name="Bo Tang" userId="332dbdf67b1791cd" providerId="LiveId" clId="{221F1624-9125-48B5-BE87-40045CA2CB74}" dt="2023-12-14T06:53:43.298" v="18"/>
+          <ac:cxnSpMkLst>
+            <pc:docMk/>
+            <pc:sldMk cId="367335811" sldId="256"/>
+            <ac:cxnSpMk id="43" creationId="{D20F92B4-2029-CD7A-4F5C-CA3281FEF276}"/>
+          </ac:cxnSpMkLst>
+        </pc:cxnChg>
+        <pc:cxnChg chg="mod">
+          <ac:chgData name="Bo Tang" userId="332dbdf67b1791cd" providerId="LiveId" clId="{221F1624-9125-48B5-BE87-40045CA2CB74}" dt="2023-12-14T06:54:16.055" v="31" actId="478"/>
+          <ac:cxnSpMkLst>
+            <pc:docMk/>
+            <pc:sldMk cId="367335811" sldId="256"/>
+            <ac:cxnSpMk id="152" creationId="{63E81373-A95B-8329-1427-74D80FE54D82}"/>
+          </ac:cxnSpMkLst>
+        </pc:cxnChg>
+        <pc:cxnChg chg="mod">
+          <ac:chgData name="Bo Tang" userId="332dbdf67b1791cd" providerId="LiveId" clId="{221F1624-9125-48B5-BE87-40045CA2CB74}" dt="2023-12-14T06:54:16.055" v="31" actId="478"/>
+          <ac:cxnSpMkLst>
+            <pc:docMk/>
+            <pc:sldMk cId="367335811" sldId="256"/>
+            <ac:cxnSpMk id="153" creationId="{32CE0860-F4F2-F7F5-33B3-7BF0CF35210C}"/>
+          </ac:cxnSpMkLst>
+        </pc:cxnChg>
+        <pc:cxnChg chg="mod">
+          <ac:chgData name="Bo Tang" userId="332dbdf67b1791cd" providerId="LiveId" clId="{221F1624-9125-48B5-BE87-40045CA2CB74}" dt="2023-12-14T06:54:16.055" v="31" actId="478"/>
+          <ac:cxnSpMkLst>
+            <pc:docMk/>
+            <pc:sldMk cId="367335811" sldId="256"/>
+            <ac:cxnSpMk id="159" creationId="{4BEEB274-6059-39A5-B45E-B38DB2FC61E3}"/>
+          </ac:cxnSpMkLst>
+        </pc:cxnChg>
+        <pc:cxnChg chg="mod">
+          <ac:chgData name="Bo Tang" userId="332dbdf67b1791cd" providerId="LiveId" clId="{221F1624-9125-48B5-BE87-40045CA2CB74}" dt="2023-12-14T06:54:16.055" v="31" actId="478"/>
+          <ac:cxnSpMkLst>
+            <pc:docMk/>
+            <pc:sldMk cId="367335811" sldId="256"/>
+            <ac:cxnSpMk id="160" creationId="{AFCC76C2-0E28-A6ED-C0F3-528A532DDE66}"/>
+          </ac:cxnSpMkLst>
+        </pc:cxnChg>
+        <pc:cxnChg chg="mod">
+          <ac:chgData name="Bo Tang" userId="332dbdf67b1791cd" providerId="LiveId" clId="{221F1624-9125-48B5-BE87-40045CA2CB74}" dt="2023-12-14T06:54:16.055" v="31" actId="478"/>
+          <ac:cxnSpMkLst>
+            <pc:docMk/>
+            <pc:sldMk cId="367335811" sldId="256"/>
+            <ac:cxnSpMk id="167" creationId="{052BD35A-4A17-3A9B-736C-60AB92EE27E6}"/>
+          </ac:cxnSpMkLst>
+        </pc:cxnChg>
+      </pc:sldChg>
+      <pc:sldChg chg="add del">
+        <pc:chgData name="Bo Tang" userId="332dbdf67b1791cd" providerId="LiveId" clId="{221F1624-9125-48B5-BE87-40045CA2CB74}" dt="2023-12-14T06:43:26.087" v="15" actId="47"/>
+        <pc:sldMkLst>
+          <pc:docMk/>
+          <pc:sldMk cId="2584813267" sldId="257"/>
+        </pc:sldMkLst>
+      </pc:sldChg>
+    </pc:docChg>
+  </pc:docChgLst>
+</pc:chgInfo>
 </file>
 
 <file path=ppt/slideLayouts/slideLayout1.xml><?xml version="1.0" encoding="utf-8"?>
@@ -238,7 +679,7 @@
           <a:p>
             <a:fld id="{79A05961-0A13-4CC0-9F09-80B8EA9C6C05}" type="datetimeFigureOut">
               <a:rPr lang="en-US" smtClean="0"/>
-              <a:t>12/11/2023</a:t>
+              <a:t>12/14/2023</a:t>
             </a:fld>
             <a:endParaRPr lang="en-US"/>
           </a:p>
@@ -408,7 +849,7 @@
           <a:p>
             <a:fld id="{79A05961-0A13-4CC0-9F09-80B8EA9C6C05}" type="datetimeFigureOut">
               <a:rPr lang="en-US" smtClean="0"/>
-              <a:t>12/11/2023</a:t>
+              <a:t>12/14/2023</a:t>
             </a:fld>
             <a:endParaRPr lang="en-US"/>
           </a:p>
@@ -588,7 +1029,7 @@
           <a:p>
             <a:fld id="{79A05961-0A13-4CC0-9F09-80B8EA9C6C05}" type="datetimeFigureOut">
               <a:rPr lang="en-US" smtClean="0"/>
-              <a:t>12/11/2023</a:t>
+              <a:t>12/14/2023</a:t>
             </a:fld>
             <a:endParaRPr lang="en-US"/>
           </a:p>
@@ -758,7 +1199,7 @@
           <a:p>
             <a:fld id="{79A05961-0A13-4CC0-9F09-80B8EA9C6C05}" type="datetimeFigureOut">
               <a:rPr lang="en-US" smtClean="0"/>
-              <a:t>12/11/2023</a:t>
+              <a:t>12/14/2023</a:t>
             </a:fld>
             <a:endParaRPr lang="en-US"/>
           </a:p>
@@ -1002,7 +1443,7 @@
           <a:p>
             <a:fld id="{79A05961-0A13-4CC0-9F09-80B8EA9C6C05}" type="datetimeFigureOut">
               <a:rPr lang="en-US" smtClean="0"/>
-              <a:t>12/11/2023</a:t>
+              <a:t>12/14/2023</a:t>
             </a:fld>
             <a:endParaRPr lang="en-US"/>
           </a:p>
@@ -1234,7 +1675,7 @@
           <a:p>
             <a:fld id="{79A05961-0A13-4CC0-9F09-80B8EA9C6C05}" type="datetimeFigureOut">
               <a:rPr lang="en-US" smtClean="0"/>
-              <a:t>12/11/2023</a:t>
+              <a:t>12/14/2023</a:t>
             </a:fld>
             <a:endParaRPr lang="en-US"/>
           </a:p>
@@ -1601,7 +2042,7 @@
           <a:p>
             <a:fld id="{79A05961-0A13-4CC0-9F09-80B8EA9C6C05}" type="datetimeFigureOut">
               <a:rPr lang="en-US" smtClean="0"/>
-              <a:t>12/11/2023</a:t>
+              <a:t>12/14/2023</a:t>
             </a:fld>
             <a:endParaRPr lang="en-US"/>
           </a:p>
@@ -1719,7 +2160,7 @@
           <a:p>
             <a:fld id="{79A05961-0A13-4CC0-9F09-80B8EA9C6C05}" type="datetimeFigureOut">
               <a:rPr lang="en-US" smtClean="0"/>
-              <a:t>12/11/2023</a:t>
+              <a:t>12/14/2023</a:t>
             </a:fld>
             <a:endParaRPr lang="en-US"/>
           </a:p>
@@ -1814,7 +2255,7 @@
           <a:p>
             <a:fld id="{79A05961-0A13-4CC0-9F09-80B8EA9C6C05}" type="datetimeFigureOut">
               <a:rPr lang="en-US" smtClean="0"/>
-              <a:t>12/11/2023</a:t>
+              <a:t>12/14/2023</a:t>
             </a:fld>
             <a:endParaRPr lang="en-US"/>
           </a:p>
@@ -2091,7 +2532,7 @@
           <a:p>
             <a:fld id="{79A05961-0A13-4CC0-9F09-80B8EA9C6C05}" type="datetimeFigureOut">
               <a:rPr lang="en-US" smtClean="0"/>
-              <a:t>12/11/2023</a:t>
+              <a:t>12/14/2023</a:t>
             </a:fld>
             <a:endParaRPr lang="en-US"/>
           </a:p>
@@ -2348,7 +2789,7 @@
           <a:p>
             <a:fld id="{79A05961-0A13-4CC0-9F09-80B8EA9C6C05}" type="datetimeFigureOut">
               <a:rPr lang="en-US" smtClean="0"/>
-              <a:t>12/11/2023</a:t>
+              <a:t>12/14/2023</a:t>
             </a:fld>
             <a:endParaRPr lang="en-US"/>
           </a:p>
@@ -2561,7 +3002,7 @@
           <a:p>
             <a:fld id="{79A05961-0A13-4CC0-9F09-80B8EA9C6C05}" type="datetimeFigureOut">
               <a:rPr lang="en-US" smtClean="0"/>
-              <a:t>12/11/2023</a:t>
+              <a:t>12/14/2023</a:t>
             </a:fld>
             <a:endParaRPr lang="en-US"/>
           </a:p>
@@ -3136,7 +3577,7 @@
             <p:spPr>
               <a:xfrm>
                 <a:off x="4109503" y="4540875"/>
-                <a:ext cx="933286" cy="414600"/>
+                <a:ext cx="933286" cy="430678"/>
               </a:xfrm>
               <a:prstGeom prst="rect">
                 <a:avLst/>
@@ -3233,14 +3674,15 @@
               </p:cNvPr>
               <p:cNvCxnSpPr>
                 <a:cxnSpLocks/>
+                <a:stCxn id="156" idx="0"/>
                 <a:endCxn id="156" idx="2"/>
               </p:cNvCxnSpPr>
               <p:nvPr/>
             </p:nvCxnSpPr>
             <p:spPr>
               <a:xfrm flipH="1">
-                <a:off x="2951533" y="4955484"/>
-                <a:ext cx="1157924" cy="18930"/>
+                <a:off x="2951533" y="4974414"/>
+                <a:ext cx="1138959" cy="0"/>
               </a:xfrm>
               <a:prstGeom prst="line">
                 <a:avLst/>
@@ -3394,7 +3836,7 @@
             </p:nvSpPr>
             <p:spPr>
               <a:xfrm rot="5400000">
-                <a:off x="4023717" y="4878615"/>
+                <a:off x="4028398" y="4891469"/>
                 <a:ext cx="73152" cy="73152"/>
               </a:xfrm>
               <a:prstGeom prst="corner">

--- a/images/cone.pptx
+++ b/images/cone.pptx
@@ -112,16 +112,32 @@
 </p:presentation>
 </file>
 
-<file path=ppt/revisionInfo.xml><?xml version="1.0" encoding="utf-8"?>
-<p1510:revInfo xmlns:a="http://schemas.openxmlformats.org/drawingml/2006/main" xmlns:r="http://schemas.openxmlformats.org/officeDocument/2006/relationships" xmlns:p1510="http://schemas.microsoft.com/office/powerpoint/2015/10/main">
-  <p1510:revLst>
-    <p1510:client id="{221F1624-9125-48B5-BE87-40045CA2CB74}" v="4" dt="2023-12-14T06:54:15.735"/>
-  </p1510:revLst>
-</p1510:revInfo>
-</file>
-
 <file path=ppt/changesInfos/changesInfo1.xml><?xml version="1.0" encoding="utf-8"?>
 <pc:chgInfo xmlns:a="http://schemas.openxmlformats.org/drawingml/2006/main" xmlns:r="http://schemas.openxmlformats.org/officeDocument/2006/relationships" xmlns:ac="http://schemas.microsoft.com/office/drawing/2013/main/command" xmlns:pc="http://schemas.microsoft.com/office/powerpoint/2013/main/command">
+  <pc:docChgLst>
+    <pc:chgData name="Bo Tang" userId="332dbdf67b1791cd" providerId="LiveId" clId="{D0B90D69-799C-4C46-A3C1-9F58730CEAEE}"/>
+    <pc:docChg chg="modSld">
+      <pc:chgData name="Bo Tang" userId="332dbdf67b1791cd" providerId="LiveId" clId="{D0B90D69-799C-4C46-A3C1-9F58730CEAEE}" dt="2024-03-15T05:30:43.337" v="6" actId="20577"/>
+      <pc:docMkLst>
+        <pc:docMk/>
+      </pc:docMkLst>
+      <pc:sldChg chg="modSp mod">
+        <pc:chgData name="Bo Tang" userId="332dbdf67b1791cd" providerId="LiveId" clId="{D0B90D69-799C-4C46-A3C1-9F58730CEAEE}" dt="2024-03-15T05:30:43.337" v="6" actId="20577"/>
+        <pc:sldMkLst>
+          <pc:docMk/>
+          <pc:sldMk cId="367335811" sldId="256"/>
+        </pc:sldMkLst>
+        <pc:spChg chg="mod">
+          <ac:chgData name="Bo Tang" userId="332dbdf67b1791cd" providerId="LiveId" clId="{D0B90D69-799C-4C46-A3C1-9F58730CEAEE}" dt="2024-03-15T05:30:43.337" v="6" actId="20577"/>
+          <ac:spMkLst>
+            <pc:docMk/>
+            <pc:sldMk cId="367335811" sldId="256"/>
+            <ac:spMk id="162" creationId="{0EBBFA51-B50E-F698-C0A7-E1737B7F50E2}"/>
+          </ac:spMkLst>
+        </pc:spChg>
+      </pc:sldChg>
+    </pc:docChg>
+  </pc:docChgLst>
   <pc:docChgLst>
     <pc:chgData name="Bo Tang" userId="332dbdf67b1791cd" providerId="LiveId" clId="{221F1624-9125-48B5-BE87-40045CA2CB74}"/>
     <pc:docChg chg="undo custSel addSld delSld modSld">
@@ -679,7 +695,7 @@
           <a:p>
             <a:fld id="{79A05961-0A13-4CC0-9F09-80B8EA9C6C05}" type="datetimeFigureOut">
               <a:rPr lang="en-US" smtClean="0"/>
-              <a:t>12/14/2023</a:t>
+              <a:t>2024-03-15</a:t>
             </a:fld>
             <a:endParaRPr lang="en-US"/>
           </a:p>
@@ -849,7 +865,7 @@
           <a:p>
             <a:fld id="{79A05961-0A13-4CC0-9F09-80B8EA9C6C05}" type="datetimeFigureOut">
               <a:rPr lang="en-US" smtClean="0"/>
-              <a:t>12/14/2023</a:t>
+              <a:t>2024-03-15</a:t>
             </a:fld>
             <a:endParaRPr lang="en-US"/>
           </a:p>
@@ -1029,7 +1045,7 @@
           <a:p>
             <a:fld id="{79A05961-0A13-4CC0-9F09-80B8EA9C6C05}" type="datetimeFigureOut">
               <a:rPr lang="en-US" smtClean="0"/>
-              <a:t>12/14/2023</a:t>
+              <a:t>2024-03-15</a:t>
             </a:fld>
             <a:endParaRPr lang="en-US"/>
           </a:p>
@@ -1199,7 +1215,7 @@
           <a:p>
             <a:fld id="{79A05961-0A13-4CC0-9F09-80B8EA9C6C05}" type="datetimeFigureOut">
               <a:rPr lang="en-US" smtClean="0"/>
-              <a:t>12/14/2023</a:t>
+              <a:t>2024-03-15</a:t>
             </a:fld>
             <a:endParaRPr lang="en-US"/>
           </a:p>
@@ -1443,7 +1459,7 @@
           <a:p>
             <a:fld id="{79A05961-0A13-4CC0-9F09-80B8EA9C6C05}" type="datetimeFigureOut">
               <a:rPr lang="en-US" smtClean="0"/>
-              <a:t>12/14/2023</a:t>
+              <a:t>2024-03-15</a:t>
             </a:fld>
             <a:endParaRPr lang="en-US"/>
           </a:p>
@@ -1675,7 +1691,7 @@
           <a:p>
             <a:fld id="{79A05961-0A13-4CC0-9F09-80B8EA9C6C05}" type="datetimeFigureOut">
               <a:rPr lang="en-US" smtClean="0"/>
-              <a:t>12/14/2023</a:t>
+              <a:t>2024-03-15</a:t>
             </a:fld>
             <a:endParaRPr lang="en-US"/>
           </a:p>
@@ -2042,7 +2058,7 @@
           <a:p>
             <a:fld id="{79A05961-0A13-4CC0-9F09-80B8EA9C6C05}" type="datetimeFigureOut">
               <a:rPr lang="en-US" smtClean="0"/>
-              <a:t>12/14/2023</a:t>
+              <a:t>2024-03-15</a:t>
             </a:fld>
             <a:endParaRPr lang="en-US"/>
           </a:p>
@@ -2160,7 +2176,7 @@
           <a:p>
             <a:fld id="{79A05961-0A13-4CC0-9F09-80B8EA9C6C05}" type="datetimeFigureOut">
               <a:rPr lang="en-US" smtClean="0"/>
-              <a:t>12/14/2023</a:t>
+              <a:t>2024-03-15</a:t>
             </a:fld>
             <a:endParaRPr lang="en-US"/>
           </a:p>
@@ -2255,7 +2271,7 @@
           <a:p>
             <a:fld id="{79A05961-0A13-4CC0-9F09-80B8EA9C6C05}" type="datetimeFigureOut">
               <a:rPr lang="en-US" smtClean="0"/>
-              <a:t>12/14/2023</a:t>
+              <a:t>2024-03-15</a:t>
             </a:fld>
             <a:endParaRPr lang="en-US"/>
           </a:p>
@@ -2532,7 +2548,7 @@
           <a:p>
             <a:fld id="{79A05961-0A13-4CC0-9F09-80B8EA9C6C05}" type="datetimeFigureOut">
               <a:rPr lang="en-US" smtClean="0"/>
-              <a:t>12/14/2023</a:t>
+              <a:t>2024-03-15</a:t>
             </a:fld>
             <a:endParaRPr lang="en-US"/>
           </a:p>
@@ -2789,7 +2805,7 @@
           <a:p>
             <a:fld id="{79A05961-0A13-4CC0-9F09-80B8EA9C6C05}" type="datetimeFigureOut">
               <a:rPr lang="en-US" smtClean="0"/>
-              <a:t>12/14/2023</a:t>
+              <a:t>2024-03-15</a:t>
             </a:fld>
             <a:endParaRPr lang="en-US"/>
           </a:p>
@@ -3002,7 +3018,7 @@
           <a:p>
             <a:fld id="{79A05961-0A13-4CC0-9F09-80B8EA9C6C05}" type="datetimeFigureOut">
               <a:rPr lang="en-US" smtClean="0"/>
-              <a:t>12/14/2023</a:t>
+              <a:t>2024-03-15</a:t>
             </a:fld>
             <a:endParaRPr lang="en-US"/>
           </a:p>
@@ -3800,7 +3816,7 @@
                       </a:schemeClr>
                     </a:solidFill>
                   </a:rPr>
-                  <a:t>O</a:t>
+                  <a:t>N</a:t>
                 </a:r>
                 <a:r>
                   <a:rPr lang="en-US" altLang="zh-CN" sz="1200" b="1" dirty="0">
@@ -3810,7 +3826,7 @@
                       </a:schemeClr>
                     </a:solidFill>
                   </a:rPr>
-                  <a:t>ptimal Cone</a:t>
+                  <a:t>ormal Cone</a:t>
                 </a:r>
                 <a:endParaRPr lang="en-US" sz="1200" b="1" dirty="0">
                   <a:solidFill>
